--- a/DS3/TRIBUTO A IEHOVAH.pptx
+++ b/DS3/TRIBUTO A IEHOVAH.pptx
@@ -9,8 +9,8 @@
     <p:sldId id="257" r:id="rId3"/>
     <p:sldId id="258" r:id="rId4"/>
     <p:sldId id="259" r:id="rId5"/>
-    <p:sldId id="260" r:id="rId6"/>
-    <p:sldId id="261" r:id="rId7"/>
+    <p:sldId id="261" r:id="rId6"/>
+    <p:sldId id="260" r:id="rId7"/>
     <p:sldId id="262" r:id="rId8"/>
   </p:sldIdLst>
   <p:sldSz cx="12192000" cy="6858000"/>
@@ -110,6 +110,11 @@
       </a:defRPr>
     </a:lvl9pPr>
   </p:defaultTextStyle>
+  <p:extLst>
+    <p:ext uri="{EFAFB233-063F-42B5-8137-9DF3F51BA10A}">
+      <p15:sldGuideLst xmlns:p15="http://schemas.microsoft.com/office/powerpoint/2012/main"/>
+    </p:ext>
+  </p:extLst>
 </p:presentation>
 </file>
 
@@ -155,10 +160,9 @@
           </a:lstStyle>
           <a:p>
             <a:r>
-              <a:rPr lang="pt-BR" smtClean="0"/>
+              <a:rPr lang="pt-BR"/>
               <a:t>Clique para editar o título mestre</a:t>
             </a:r>
-            <a:endParaRPr lang="pt-BR"/>
           </a:p>
         </p:txBody>
       </p:sp>
@@ -220,10 +224,9 @@
           </a:lstStyle>
           <a:p>
             <a:r>
-              <a:rPr lang="pt-BR" smtClean="0"/>
+              <a:rPr lang="pt-BR"/>
               <a:t>Clique para editar o estilo do subtítulo Mestre</a:t>
             </a:r>
-            <a:endParaRPr lang="pt-BR"/>
           </a:p>
         </p:txBody>
       </p:sp>
@@ -244,7 +247,7 @@
           <a:p>
             <a:fld id="{4192E6A3-D42C-4AAD-8B76-4FAB3A82303C}" type="datetimeFigureOut">
               <a:rPr lang="pt-BR" smtClean="0"/>
-              <a:t>24/09/2022</a:t>
+              <a:t>18/10/2023</a:t>
             </a:fld>
             <a:endParaRPr lang="pt-BR"/>
           </a:p>
@@ -338,10 +341,9 @@
           <a:lstStyle/>
           <a:p>
             <a:r>
-              <a:rPr lang="pt-BR" smtClean="0"/>
+              <a:rPr lang="pt-BR"/>
               <a:t>Clique para editar o título mestre</a:t>
             </a:r>
-            <a:endParaRPr lang="pt-BR"/>
           </a:p>
         </p:txBody>
       </p:sp>
@@ -362,38 +364,37 @@
           <a:p>
             <a:pPr lvl="0"/>
             <a:r>
-              <a:rPr lang="pt-BR" smtClean="0"/>
+              <a:rPr lang="pt-BR"/>
               <a:t>Editar estilos de texto Mestre</a:t>
             </a:r>
           </a:p>
           <a:p>
             <a:pPr lvl="1"/>
             <a:r>
-              <a:rPr lang="pt-BR" smtClean="0"/>
+              <a:rPr lang="pt-BR"/>
               <a:t>Segundo nível</a:t>
             </a:r>
           </a:p>
           <a:p>
             <a:pPr lvl="2"/>
             <a:r>
-              <a:rPr lang="pt-BR" smtClean="0"/>
+              <a:rPr lang="pt-BR"/>
               <a:t>Terceiro nível</a:t>
             </a:r>
           </a:p>
           <a:p>
             <a:pPr lvl="3"/>
             <a:r>
-              <a:rPr lang="pt-BR" smtClean="0"/>
+              <a:rPr lang="pt-BR"/>
               <a:t>Quarto nível</a:t>
             </a:r>
           </a:p>
           <a:p>
             <a:pPr lvl="4"/>
             <a:r>
-              <a:rPr lang="pt-BR" smtClean="0"/>
+              <a:rPr lang="pt-BR"/>
               <a:t>Quinto nível</a:t>
             </a:r>
-            <a:endParaRPr lang="pt-BR"/>
           </a:p>
         </p:txBody>
       </p:sp>
@@ -414,7 +415,7 @@
           <a:p>
             <a:fld id="{4192E6A3-D42C-4AAD-8B76-4FAB3A82303C}" type="datetimeFigureOut">
               <a:rPr lang="pt-BR" smtClean="0"/>
-              <a:t>24/09/2022</a:t>
+              <a:t>18/10/2023</a:t>
             </a:fld>
             <a:endParaRPr lang="pt-BR"/>
           </a:p>
@@ -513,10 +514,9 @@
           <a:lstStyle/>
           <a:p>
             <a:r>
-              <a:rPr lang="pt-BR" smtClean="0"/>
+              <a:rPr lang="pt-BR"/>
               <a:t>Clique para editar o título mestre</a:t>
             </a:r>
-            <a:endParaRPr lang="pt-BR"/>
           </a:p>
         </p:txBody>
       </p:sp>
@@ -542,38 +542,37 @@
           <a:p>
             <a:pPr lvl="0"/>
             <a:r>
-              <a:rPr lang="pt-BR" smtClean="0"/>
+              <a:rPr lang="pt-BR"/>
               <a:t>Editar estilos de texto Mestre</a:t>
             </a:r>
           </a:p>
           <a:p>
             <a:pPr lvl="1"/>
             <a:r>
-              <a:rPr lang="pt-BR" smtClean="0"/>
+              <a:rPr lang="pt-BR"/>
               <a:t>Segundo nível</a:t>
             </a:r>
           </a:p>
           <a:p>
             <a:pPr lvl="2"/>
             <a:r>
-              <a:rPr lang="pt-BR" smtClean="0"/>
+              <a:rPr lang="pt-BR"/>
               <a:t>Terceiro nível</a:t>
             </a:r>
           </a:p>
           <a:p>
             <a:pPr lvl="3"/>
             <a:r>
-              <a:rPr lang="pt-BR" smtClean="0"/>
+              <a:rPr lang="pt-BR"/>
               <a:t>Quarto nível</a:t>
             </a:r>
           </a:p>
           <a:p>
             <a:pPr lvl="4"/>
             <a:r>
-              <a:rPr lang="pt-BR" smtClean="0"/>
+              <a:rPr lang="pt-BR"/>
               <a:t>Quinto nível</a:t>
             </a:r>
-            <a:endParaRPr lang="pt-BR"/>
           </a:p>
         </p:txBody>
       </p:sp>
@@ -594,7 +593,7 @@
           <a:p>
             <a:fld id="{4192E6A3-D42C-4AAD-8B76-4FAB3A82303C}" type="datetimeFigureOut">
               <a:rPr lang="pt-BR" smtClean="0"/>
-              <a:t>24/09/2022</a:t>
+              <a:t>18/10/2023</a:t>
             </a:fld>
             <a:endParaRPr lang="pt-BR"/>
           </a:p>
@@ -688,10 +687,9 @@
           <a:lstStyle/>
           <a:p>
             <a:r>
-              <a:rPr lang="pt-BR" smtClean="0"/>
+              <a:rPr lang="pt-BR"/>
               <a:t>Clique para editar o título mestre</a:t>
             </a:r>
-            <a:endParaRPr lang="pt-BR"/>
           </a:p>
         </p:txBody>
       </p:sp>
@@ -712,38 +710,37 @@
           <a:p>
             <a:pPr lvl="0"/>
             <a:r>
-              <a:rPr lang="pt-BR" smtClean="0"/>
+              <a:rPr lang="pt-BR"/>
               <a:t>Editar estilos de texto Mestre</a:t>
             </a:r>
           </a:p>
           <a:p>
             <a:pPr lvl="1"/>
             <a:r>
-              <a:rPr lang="pt-BR" smtClean="0"/>
+              <a:rPr lang="pt-BR"/>
               <a:t>Segundo nível</a:t>
             </a:r>
           </a:p>
           <a:p>
             <a:pPr lvl="2"/>
             <a:r>
-              <a:rPr lang="pt-BR" smtClean="0"/>
+              <a:rPr lang="pt-BR"/>
               <a:t>Terceiro nível</a:t>
             </a:r>
           </a:p>
           <a:p>
             <a:pPr lvl="3"/>
             <a:r>
-              <a:rPr lang="pt-BR" smtClean="0"/>
+              <a:rPr lang="pt-BR"/>
               <a:t>Quarto nível</a:t>
             </a:r>
           </a:p>
           <a:p>
             <a:pPr lvl="4"/>
             <a:r>
-              <a:rPr lang="pt-BR" smtClean="0"/>
+              <a:rPr lang="pt-BR"/>
               <a:t>Quinto nível</a:t>
             </a:r>
-            <a:endParaRPr lang="pt-BR"/>
           </a:p>
         </p:txBody>
       </p:sp>
@@ -764,7 +761,7 @@
           <a:p>
             <a:fld id="{4192E6A3-D42C-4AAD-8B76-4FAB3A82303C}" type="datetimeFigureOut">
               <a:rPr lang="pt-BR" smtClean="0"/>
-              <a:t>24/09/2022</a:t>
+              <a:t>18/10/2023</a:t>
             </a:fld>
             <a:endParaRPr lang="pt-BR"/>
           </a:p>
@@ -867,10 +864,9 @@
           </a:lstStyle>
           <a:p>
             <a:r>
-              <a:rPr lang="pt-BR" smtClean="0"/>
+              <a:rPr lang="pt-BR"/>
               <a:t>Clique para editar o título mestre</a:t>
             </a:r>
-            <a:endParaRPr lang="pt-BR"/>
           </a:p>
         </p:txBody>
       </p:sp>
@@ -987,7 +983,7 @@
           <a:p>
             <a:pPr lvl="0"/>
             <a:r>
-              <a:rPr lang="pt-BR" smtClean="0"/>
+              <a:rPr lang="pt-BR"/>
               <a:t>Editar estilos de texto Mestre</a:t>
             </a:r>
           </a:p>
@@ -1010,7 +1006,7 @@
           <a:p>
             <a:fld id="{4192E6A3-D42C-4AAD-8B76-4FAB3A82303C}" type="datetimeFigureOut">
               <a:rPr lang="pt-BR" smtClean="0"/>
-              <a:t>24/09/2022</a:t>
+              <a:t>18/10/2023</a:t>
             </a:fld>
             <a:endParaRPr lang="pt-BR"/>
           </a:p>
@@ -1104,10 +1100,9 @@
           <a:lstStyle/>
           <a:p>
             <a:r>
-              <a:rPr lang="pt-BR" smtClean="0"/>
+              <a:rPr lang="pt-BR"/>
               <a:t>Clique para editar o título mestre</a:t>
             </a:r>
-            <a:endParaRPr lang="pt-BR"/>
           </a:p>
         </p:txBody>
       </p:sp>
@@ -1133,38 +1128,37 @@
           <a:p>
             <a:pPr lvl="0"/>
             <a:r>
-              <a:rPr lang="pt-BR" smtClean="0"/>
+              <a:rPr lang="pt-BR"/>
               <a:t>Editar estilos de texto Mestre</a:t>
             </a:r>
           </a:p>
           <a:p>
             <a:pPr lvl="1"/>
             <a:r>
-              <a:rPr lang="pt-BR" smtClean="0"/>
+              <a:rPr lang="pt-BR"/>
               <a:t>Segundo nível</a:t>
             </a:r>
           </a:p>
           <a:p>
             <a:pPr lvl="2"/>
             <a:r>
-              <a:rPr lang="pt-BR" smtClean="0"/>
+              <a:rPr lang="pt-BR"/>
               <a:t>Terceiro nível</a:t>
             </a:r>
           </a:p>
           <a:p>
             <a:pPr lvl="3"/>
             <a:r>
-              <a:rPr lang="pt-BR" smtClean="0"/>
+              <a:rPr lang="pt-BR"/>
               <a:t>Quarto nível</a:t>
             </a:r>
           </a:p>
           <a:p>
             <a:pPr lvl="4"/>
             <a:r>
-              <a:rPr lang="pt-BR" smtClean="0"/>
+              <a:rPr lang="pt-BR"/>
               <a:t>Quinto nível</a:t>
             </a:r>
-            <a:endParaRPr lang="pt-BR"/>
           </a:p>
         </p:txBody>
       </p:sp>
@@ -1190,38 +1184,37 @@
           <a:p>
             <a:pPr lvl="0"/>
             <a:r>
-              <a:rPr lang="pt-BR" smtClean="0"/>
+              <a:rPr lang="pt-BR"/>
               <a:t>Editar estilos de texto Mestre</a:t>
             </a:r>
           </a:p>
           <a:p>
             <a:pPr lvl="1"/>
             <a:r>
-              <a:rPr lang="pt-BR" smtClean="0"/>
+              <a:rPr lang="pt-BR"/>
               <a:t>Segundo nível</a:t>
             </a:r>
           </a:p>
           <a:p>
             <a:pPr lvl="2"/>
             <a:r>
-              <a:rPr lang="pt-BR" smtClean="0"/>
+              <a:rPr lang="pt-BR"/>
               <a:t>Terceiro nível</a:t>
             </a:r>
           </a:p>
           <a:p>
             <a:pPr lvl="3"/>
             <a:r>
-              <a:rPr lang="pt-BR" smtClean="0"/>
+              <a:rPr lang="pt-BR"/>
               <a:t>Quarto nível</a:t>
             </a:r>
           </a:p>
           <a:p>
             <a:pPr lvl="4"/>
             <a:r>
-              <a:rPr lang="pt-BR" smtClean="0"/>
+              <a:rPr lang="pt-BR"/>
               <a:t>Quinto nível</a:t>
             </a:r>
-            <a:endParaRPr lang="pt-BR"/>
           </a:p>
         </p:txBody>
       </p:sp>
@@ -1242,7 +1235,7 @@
           <a:p>
             <a:fld id="{4192E6A3-D42C-4AAD-8B76-4FAB3A82303C}" type="datetimeFigureOut">
               <a:rPr lang="pt-BR" smtClean="0"/>
-              <a:t>24/09/2022</a:t>
+              <a:t>18/10/2023</a:t>
             </a:fld>
             <a:endParaRPr lang="pt-BR"/>
           </a:p>
@@ -1341,10 +1334,9 @@
           <a:lstStyle/>
           <a:p>
             <a:r>
-              <a:rPr lang="pt-BR" smtClean="0"/>
+              <a:rPr lang="pt-BR"/>
               <a:t>Clique para editar o título mestre</a:t>
             </a:r>
-            <a:endParaRPr lang="pt-BR"/>
           </a:p>
         </p:txBody>
       </p:sp>
@@ -1407,7 +1399,7 @@
           <a:p>
             <a:pPr lvl="0"/>
             <a:r>
-              <a:rPr lang="pt-BR" smtClean="0"/>
+              <a:rPr lang="pt-BR"/>
               <a:t>Editar estilos de texto Mestre</a:t>
             </a:r>
           </a:p>
@@ -1435,38 +1427,37 @@
           <a:p>
             <a:pPr lvl="0"/>
             <a:r>
-              <a:rPr lang="pt-BR" smtClean="0"/>
+              <a:rPr lang="pt-BR"/>
               <a:t>Editar estilos de texto Mestre</a:t>
             </a:r>
           </a:p>
           <a:p>
             <a:pPr lvl="1"/>
             <a:r>
-              <a:rPr lang="pt-BR" smtClean="0"/>
+              <a:rPr lang="pt-BR"/>
               <a:t>Segundo nível</a:t>
             </a:r>
           </a:p>
           <a:p>
             <a:pPr lvl="2"/>
             <a:r>
-              <a:rPr lang="pt-BR" smtClean="0"/>
+              <a:rPr lang="pt-BR"/>
               <a:t>Terceiro nível</a:t>
             </a:r>
           </a:p>
           <a:p>
             <a:pPr lvl="3"/>
             <a:r>
-              <a:rPr lang="pt-BR" smtClean="0"/>
+              <a:rPr lang="pt-BR"/>
               <a:t>Quarto nível</a:t>
             </a:r>
           </a:p>
           <a:p>
             <a:pPr lvl="4"/>
             <a:r>
-              <a:rPr lang="pt-BR" smtClean="0"/>
+              <a:rPr lang="pt-BR"/>
               <a:t>Quinto nível</a:t>
             </a:r>
-            <a:endParaRPr lang="pt-BR"/>
           </a:p>
         </p:txBody>
       </p:sp>
@@ -1529,7 +1520,7 @@
           <a:p>
             <a:pPr lvl="0"/>
             <a:r>
-              <a:rPr lang="pt-BR" smtClean="0"/>
+              <a:rPr lang="pt-BR"/>
               <a:t>Editar estilos de texto Mestre</a:t>
             </a:r>
           </a:p>
@@ -1557,38 +1548,37 @@
           <a:p>
             <a:pPr lvl="0"/>
             <a:r>
-              <a:rPr lang="pt-BR" smtClean="0"/>
+              <a:rPr lang="pt-BR"/>
               <a:t>Editar estilos de texto Mestre</a:t>
             </a:r>
           </a:p>
           <a:p>
             <a:pPr lvl="1"/>
             <a:r>
-              <a:rPr lang="pt-BR" smtClean="0"/>
+              <a:rPr lang="pt-BR"/>
               <a:t>Segundo nível</a:t>
             </a:r>
           </a:p>
           <a:p>
             <a:pPr lvl="2"/>
             <a:r>
-              <a:rPr lang="pt-BR" smtClean="0"/>
+              <a:rPr lang="pt-BR"/>
               <a:t>Terceiro nível</a:t>
             </a:r>
           </a:p>
           <a:p>
             <a:pPr lvl="3"/>
             <a:r>
-              <a:rPr lang="pt-BR" smtClean="0"/>
+              <a:rPr lang="pt-BR"/>
               <a:t>Quarto nível</a:t>
             </a:r>
           </a:p>
           <a:p>
             <a:pPr lvl="4"/>
             <a:r>
-              <a:rPr lang="pt-BR" smtClean="0"/>
+              <a:rPr lang="pt-BR"/>
               <a:t>Quinto nível</a:t>
             </a:r>
-            <a:endParaRPr lang="pt-BR"/>
           </a:p>
         </p:txBody>
       </p:sp>
@@ -1609,7 +1599,7 @@
           <a:p>
             <a:fld id="{4192E6A3-D42C-4AAD-8B76-4FAB3A82303C}" type="datetimeFigureOut">
               <a:rPr lang="pt-BR" smtClean="0"/>
-              <a:t>24/09/2022</a:t>
+              <a:t>18/10/2023</a:t>
             </a:fld>
             <a:endParaRPr lang="pt-BR"/>
           </a:p>
@@ -1703,10 +1693,9 @@
           <a:lstStyle/>
           <a:p>
             <a:r>
-              <a:rPr lang="pt-BR" smtClean="0"/>
+              <a:rPr lang="pt-BR"/>
               <a:t>Clique para editar o título mestre</a:t>
             </a:r>
-            <a:endParaRPr lang="pt-BR"/>
           </a:p>
         </p:txBody>
       </p:sp>
@@ -1727,7 +1716,7 @@
           <a:p>
             <a:fld id="{4192E6A3-D42C-4AAD-8B76-4FAB3A82303C}" type="datetimeFigureOut">
               <a:rPr lang="pt-BR" smtClean="0"/>
-              <a:t>24/09/2022</a:t>
+              <a:t>18/10/2023</a:t>
             </a:fld>
             <a:endParaRPr lang="pt-BR"/>
           </a:p>
@@ -1822,7 +1811,7 @@
           <a:p>
             <a:fld id="{4192E6A3-D42C-4AAD-8B76-4FAB3A82303C}" type="datetimeFigureOut">
               <a:rPr lang="pt-BR" smtClean="0"/>
-              <a:t>24/09/2022</a:t>
+              <a:t>18/10/2023</a:t>
             </a:fld>
             <a:endParaRPr lang="pt-BR"/>
           </a:p>
@@ -1925,10 +1914,9 @@
           </a:lstStyle>
           <a:p>
             <a:r>
-              <a:rPr lang="pt-BR" smtClean="0"/>
+              <a:rPr lang="pt-BR"/>
               <a:t>Clique para editar o título mestre</a:t>
             </a:r>
-            <a:endParaRPr lang="pt-BR"/>
           </a:p>
         </p:txBody>
       </p:sp>
@@ -1982,38 +1970,37 @@
           <a:p>
             <a:pPr lvl="0"/>
             <a:r>
-              <a:rPr lang="pt-BR" smtClean="0"/>
+              <a:rPr lang="pt-BR"/>
               <a:t>Editar estilos de texto Mestre</a:t>
             </a:r>
           </a:p>
           <a:p>
             <a:pPr lvl="1"/>
             <a:r>
-              <a:rPr lang="pt-BR" smtClean="0"/>
+              <a:rPr lang="pt-BR"/>
               <a:t>Segundo nível</a:t>
             </a:r>
           </a:p>
           <a:p>
             <a:pPr lvl="2"/>
             <a:r>
-              <a:rPr lang="pt-BR" smtClean="0"/>
+              <a:rPr lang="pt-BR"/>
               <a:t>Terceiro nível</a:t>
             </a:r>
           </a:p>
           <a:p>
             <a:pPr lvl="3"/>
             <a:r>
-              <a:rPr lang="pt-BR" smtClean="0"/>
+              <a:rPr lang="pt-BR"/>
               <a:t>Quarto nível</a:t>
             </a:r>
           </a:p>
           <a:p>
             <a:pPr lvl="4"/>
             <a:r>
-              <a:rPr lang="pt-BR" smtClean="0"/>
+              <a:rPr lang="pt-BR"/>
               <a:t>Quinto nível</a:t>
             </a:r>
-            <a:endParaRPr lang="pt-BR"/>
           </a:p>
         </p:txBody>
       </p:sp>
@@ -2076,7 +2063,7 @@
           <a:p>
             <a:pPr lvl="0"/>
             <a:r>
-              <a:rPr lang="pt-BR" smtClean="0"/>
+              <a:rPr lang="pt-BR"/>
               <a:t>Editar estilos de texto Mestre</a:t>
             </a:r>
           </a:p>
@@ -2099,7 +2086,7 @@
           <a:p>
             <a:fld id="{4192E6A3-D42C-4AAD-8B76-4FAB3A82303C}" type="datetimeFigureOut">
               <a:rPr lang="pt-BR" smtClean="0"/>
-              <a:t>24/09/2022</a:t>
+              <a:t>18/10/2023</a:t>
             </a:fld>
             <a:endParaRPr lang="pt-BR"/>
           </a:p>
@@ -2202,10 +2189,9 @@
           </a:lstStyle>
           <a:p>
             <a:r>
-              <a:rPr lang="pt-BR" smtClean="0"/>
+              <a:rPr lang="pt-BR"/>
               <a:t>Clique para editar o título mestre</a:t>
             </a:r>
-            <a:endParaRPr lang="pt-BR"/>
           </a:p>
         </p:txBody>
       </p:sp>
@@ -2329,7 +2315,7 @@
           <a:p>
             <a:pPr lvl="0"/>
             <a:r>
-              <a:rPr lang="pt-BR" smtClean="0"/>
+              <a:rPr lang="pt-BR"/>
               <a:t>Editar estilos de texto Mestre</a:t>
             </a:r>
           </a:p>
@@ -2352,7 +2338,7 @@
           <a:p>
             <a:fld id="{4192E6A3-D42C-4AAD-8B76-4FAB3A82303C}" type="datetimeFigureOut">
               <a:rPr lang="pt-BR" smtClean="0"/>
-              <a:t>24/09/2022</a:t>
+              <a:t>18/10/2023</a:t>
             </a:fld>
             <a:endParaRPr lang="pt-BR"/>
           </a:p>
@@ -2461,10 +2447,9 @@
           <a:lstStyle/>
           <a:p>
             <a:r>
-              <a:rPr lang="pt-BR" smtClean="0"/>
+              <a:rPr lang="pt-BR"/>
               <a:t>Clique para editar o título mestre</a:t>
             </a:r>
-            <a:endParaRPr lang="pt-BR"/>
           </a:p>
         </p:txBody>
       </p:sp>
@@ -2495,38 +2480,37 @@
           <a:p>
             <a:pPr lvl="0"/>
             <a:r>
-              <a:rPr lang="pt-BR" smtClean="0"/>
+              <a:rPr lang="pt-BR"/>
               <a:t>Editar estilos de texto Mestre</a:t>
             </a:r>
           </a:p>
           <a:p>
             <a:pPr lvl="1"/>
             <a:r>
-              <a:rPr lang="pt-BR" smtClean="0"/>
+              <a:rPr lang="pt-BR"/>
               <a:t>Segundo nível</a:t>
             </a:r>
           </a:p>
           <a:p>
             <a:pPr lvl="2"/>
             <a:r>
-              <a:rPr lang="pt-BR" smtClean="0"/>
+              <a:rPr lang="pt-BR"/>
               <a:t>Terceiro nível</a:t>
             </a:r>
           </a:p>
           <a:p>
             <a:pPr lvl="3"/>
             <a:r>
-              <a:rPr lang="pt-BR" smtClean="0"/>
+              <a:rPr lang="pt-BR"/>
               <a:t>Quarto nível</a:t>
             </a:r>
           </a:p>
           <a:p>
             <a:pPr lvl="4"/>
             <a:r>
-              <a:rPr lang="pt-BR" smtClean="0"/>
+              <a:rPr lang="pt-BR"/>
               <a:t>Quinto nível</a:t>
             </a:r>
-            <a:endParaRPr lang="pt-BR"/>
           </a:p>
         </p:txBody>
       </p:sp>
@@ -2565,7 +2549,7 @@
           <a:p>
             <a:fld id="{4192E6A3-D42C-4AAD-8B76-4FAB3A82303C}" type="datetimeFigureOut">
               <a:rPr lang="pt-BR" smtClean="0"/>
-              <a:t>24/09/2022</a:t>
+              <a:t>18/10/2023</a:t>
             </a:fld>
             <a:endParaRPr lang="pt-BR"/>
           </a:p>
@@ -2991,14 +2975,11 @@
           <a:lstStyle/>
           <a:p>
             <a:r>
-              <a:rPr lang="pt-BR" b="1" dirty="0" smtClean="0">
+              <a:rPr lang="pt-BR" b="1" dirty="0">
                 <a:latin typeface="Arial Black" panose="020B0A04020102020204" pitchFamily="34" charset="0"/>
               </a:rPr>
               <a:t>TRIBUTO A IEHOVAH</a:t>
             </a:r>
-            <a:endParaRPr lang="pt-BR" b="1" dirty="0">
-              <a:latin typeface="Arial Black" panose="020B0A04020102020204" pitchFamily="34" charset="0"/>
-            </a:endParaRPr>
           </a:p>
         </p:txBody>
       </p:sp>
@@ -3025,14 +3006,11 @@
           <a:lstStyle/>
           <a:p>
             <a:r>
-              <a:rPr lang="pt-BR" sz="4000" b="1" dirty="0" smtClean="0">
+              <a:rPr lang="pt-BR" sz="4000" b="1" dirty="0">
                 <a:latin typeface="Arial Black" panose="020B0A04020102020204" pitchFamily="34" charset="0"/>
               </a:rPr>
               <a:t>ADHEMAR DE CAMPOS</a:t>
             </a:r>
-            <a:endParaRPr lang="pt-BR" sz="4000" b="1" dirty="0">
-              <a:latin typeface="Arial Black" panose="020B0A04020102020204" pitchFamily="34" charset="0"/>
-            </a:endParaRPr>
           </a:p>
         </p:txBody>
       </p:sp>
@@ -3088,77 +3066,78 @@
           <a:lstStyle/>
           <a:p>
             <a:r>
-              <a:rPr lang="nl-NL" sz="8000" b="1" i="0" dirty="0" smtClean="0">
+              <a:rPr lang="nl-NL" sz="8000" b="1" i="0" dirty="0">
                 <a:solidFill>
                   <a:srgbClr val="2D2D2D"/>
                 </a:solidFill>
                 <a:effectLst/>
                 <a:latin typeface="Arial Black" panose="020B0A04020102020204" pitchFamily="34" charset="0"/>
               </a:rPr>
-              <a:t>IE, IE, IEHOVAH</a:t>
-            </a:r>
-            <a:r>
-              <a:rPr lang="nl-NL" sz="8000" b="1" dirty="0" smtClean="0">
-                <a:latin typeface="Arial Black" panose="020B0A04020102020204" pitchFamily="34" charset="0"/>
-              </a:rPr>
-              <a:t/>
+              <a:t>IE, IE, YEHOVAH</a:t>
             </a:r>
             <a:br>
-              <a:rPr lang="nl-NL" sz="8000" b="1" dirty="0" smtClean="0">
+              <a:rPr lang="nl-NL" sz="8000" b="1" dirty="0">
                 <a:latin typeface="Arial Black" panose="020B0A04020102020204" pitchFamily="34" charset="0"/>
               </a:rPr>
             </a:br>
             <a:r>
-              <a:rPr lang="nl-NL" sz="8000" b="1" i="0" dirty="0" smtClean="0">
+              <a:rPr lang="nl-NL" sz="8000" b="1" i="0" dirty="0">
                 <a:solidFill>
                   <a:srgbClr val="2D2D2D"/>
                 </a:solidFill>
                 <a:effectLst/>
                 <a:latin typeface="Arial Black" panose="020B0A04020102020204" pitchFamily="34" charset="0"/>
               </a:rPr>
-              <a:t>IE, IE, IEHOVAH</a:t>
-            </a:r>
-            <a:r>
-              <a:rPr lang="nl-NL" sz="8000" b="1" dirty="0" smtClean="0">
-                <a:latin typeface="Arial Black" panose="020B0A04020102020204" pitchFamily="34" charset="0"/>
-              </a:rPr>
-              <a:t/>
+              <a:t>IE, IE, YEHOVAH</a:t>
             </a:r>
             <a:br>
-              <a:rPr lang="nl-NL" sz="8000" b="1" dirty="0" smtClean="0">
+              <a:rPr lang="nl-NL" sz="8000" b="1" dirty="0">
                 <a:latin typeface="Arial Black" panose="020B0A04020102020204" pitchFamily="34" charset="0"/>
               </a:rPr>
             </a:br>
             <a:r>
-              <a:rPr lang="nl-NL" sz="8000" b="1" i="0" dirty="0" smtClean="0">
+              <a:rPr lang="nl-NL" sz="8000" b="1" i="0" dirty="0">
                 <a:solidFill>
                   <a:srgbClr val="2D2D2D"/>
                 </a:solidFill>
                 <a:effectLst/>
                 <a:latin typeface="Arial Black" panose="020B0A04020102020204" pitchFamily="34" charset="0"/>
               </a:rPr>
-              <a:t>IE, IE, IEHOVAH</a:t>
-            </a:r>
-            <a:r>
-              <a:rPr lang="nl-NL" sz="8000" b="1" dirty="0" smtClean="0">
-                <a:latin typeface="Arial Black" panose="020B0A04020102020204" pitchFamily="34" charset="0"/>
-              </a:rPr>
-              <a:t/>
+              <a:t>IE, IE, YEHOVAH</a:t>
             </a:r>
             <a:br>
-              <a:rPr lang="nl-NL" sz="8000" b="1" dirty="0" smtClean="0">
+              <a:rPr lang="nl-NL" sz="8000" b="1" dirty="0">
                 <a:latin typeface="Arial Black" panose="020B0A04020102020204" pitchFamily="34" charset="0"/>
               </a:rPr>
             </a:br>
             <a:r>
-              <a:rPr lang="nl-NL" sz="8000" b="1" i="0" dirty="0" smtClean="0">
+              <a:rPr lang="nl-NL" sz="8000" b="1" i="0" dirty="0">
                 <a:solidFill>
                   <a:srgbClr val="2D2D2D"/>
                 </a:solidFill>
                 <a:effectLst/>
                 <a:latin typeface="Arial Black" panose="020B0A04020102020204" pitchFamily="34" charset="0"/>
               </a:rPr>
-              <a:t>IE, IE, IEHOVAH</a:t>
+              <a:t>IE, IE, </a:t>
+            </a:r>
+            <a:r>
+              <a:rPr lang="nl-NL" sz="8000" b="1" dirty="0">
+                <a:solidFill>
+                  <a:srgbClr val="2D2D2D"/>
+                </a:solidFill>
+                <a:latin typeface="Arial Black" panose="020B0A04020102020204" pitchFamily="34" charset="0"/>
+              </a:rPr>
+              <a:t>Y</a:t>
+            </a:r>
+            <a:r>
+              <a:rPr lang="nl-NL" sz="8000" b="1" i="0" dirty="0">
+                <a:solidFill>
+                  <a:srgbClr val="2D2D2D"/>
+                </a:solidFill>
+                <a:effectLst/>
+                <a:latin typeface="Arial Black" panose="020B0A04020102020204" pitchFamily="34" charset="0"/>
+              </a:rPr>
+              <a:t>EHOVAH</a:t>
             </a:r>
             <a:endParaRPr lang="pt-BR" sz="8000" b="1" dirty="0">
               <a:latin typeface="Arial Black" panose="020B0A04020102020204" pitchFamily="34" charset="0"/>
@@ -3218,7 +3197,7 @@
           <a:lstStyle/>
           <a:p>
             <a:r>
-              <a:rPr lang="pt-BR" sz="4800" b="1" i="0" dirty="0" smtClean="0">
+              <a:rPr lang="pt-BR" sz="4800" b="1" i="0" dirty="0">
                 <a:solidFill>
                   <a:srgbClr val="2D2D2D"/>
                 </a:solidFill>
@@ -3227,19 +3206,13 @@
               </a:rPr>
               <a:t>EU SOU GRATO</a:t>
             </a:r>
-            <a:r>
-              <a:rPr lang="pt-BR" sz="4800" b="1" dirty="0" smtClean="0">
-                <a:latin typeface="Arial Black" panose="020B0A04020102020204" pitchFamily="34" charset="0"/>
-              </a:rPr>
-              <a:t/>
-            </a:r>
             <a:br>
-              <a:rPr lang="pt-BR" sz="4800" b="1" dirty="0" smtClean="0">
+              <a:rPr lang="pt-BR" sz="4800" b="1" dirty="0">
                 <a:latin typeface="Arial Black" panose="020B0A04020102020204" pitchFamily="34" charset="0"/>
               </a:rPr>
             </a:br>
             <a:r>
-              <a:rPr lang="pt-BR" sz="4800" b="1" i="0" dirty="0" smtClean="0">
+              <a:rPr lang="pt-BR" sz="4800" b="1" i="0" dirty="0">
                 <a:solidFill>
                   <a:srgbClr val="2D2D2D"/>
                 </a:solidFill>
@@ -3248,19 +3221,13 @@
               </a:rPr>
               <a:t>POR TUDO QUE TENHO</a:t>
             </a:r>
-            <a:r>
-              <a:rPr lang="pt-BR" sz="4800" b="1" dirty="0" smtClean="0">
-                <a:latin typeface="Arial Black" panose="020B0A04020102020204" pitchFamily="34" charset="0"/>
-              </a:rPr>
-              <a:t/>
-            </a:r>
             <a:br>
-              <a:rPr lang="pt-BR" sz="4800" b="1" dirty="0" smtClean="0">
+              <a:rPr lang="pt-BR" sz="4800" b="1" dirty="0">
                 <a:latin typeface="Arial Black" panose="020B0A04020102020204" pitchFamily="34" charset="0"/>
               </a:rPr>
             </a:br>
             <a:r>
-              <a:rPr lang="pt-BR" sz="4800" b="1" i="0" dirty="0" smtClean="0">
+              <a:rPr lang="pt-BR" sz="4800" b="1" i="0" dirty="0">
                 <a:solidFill>
                   <a:srgbClr val="2D2D2D"/>
                 </a:solidFill>
@@ -3269,19 +3236,13 @@
               </a:rPr>
               <a:t>O TESOURO MAIOR DESTE MUNDO</a:t>
             </a:r>
-            <a:r>
-              <a:rPr lang="pt-BR" sz="4800" b="1" dirty="0" smtClean="0">
-                <a:latin typeface="Arial Black" panose="020B0A04020102020204" pitchFamily="34" charset="0"/>
-              </a:rPr>
-              <a:t/>
-            </a:r>
             <a:br>
-              <a:rPr lang="pt-BR" sz="4800" b="1" dirty="0" smtClean="0">
+              <a:rPr lang="pt-BR" sz="4800" b="1" dirty="0">
                 <a:latin typeface="Arial Black" panose="020B0A04020102020204" pitchFamily="34" charset="0"/>
               </a:rPr>
             </a:br>
             <a:r>
-              <a:rPr lang="pt-BR" sz="4800" b="1" i="0" dirty="0" smtClean="0">
+              <a:rPr lang="pt-BR" sz="4800" b="1" i="0" dirty="0">
                 <a:solidFill>
                   <a:srgbClr val="2D2D2D"/>
                 </a:solidFill>
@@ -3290,19 +3251,13 @@
               </a:rPr>
               <a:t>ME FOI DADO COMO HERANÇA ETERNA</a:t>
             </a:r>
-            <a:r>
-              <a:rPr lang="pt-BR" sz="4800" b="1" dirty="0" smtClean="0">
-                <a:latin typeface="Arial Black" panose="020B0A04020102020204" pitchFamily="34" charset="0"/>
-              </a:rPr>
-              <a:t/>
-            </a:r>
             <a:br>
-              <a:rPr lang="pt-BR" sz="4800" b="1" dirty="0" smtClean="0">
+              <a:rPr lang="pt-BR" sz="4800" b="1" dirty="0">
                 <a:latin typeface="Arial Black" panose="020B0A04020102020204" pitchFamily="34" charset="0"/>
               </a:rPr>
             </a:br>
             <a:r>
-              <a:rPr lang="pt-BR" sz="4800" b="1" i="0" dirty="0" smtClean="0">
+              <a:rPr lang="pt-BR" sz="4800" b="1" i="0" dirty="0">
                 <a:solidFill>
                   <a:srgbClr val="2D2D2D"/>
                 </a:solidFill>
@@ -3369,7 +3324,7 @@
           <a:lstStyle/>
           <a:p>
             <a:r>
-              <a:rPr lang="pt-BR" sz="4800" b="1" i="0" dirty="0" smtClean="0">
+              <a:rPr lang="pt-BR" sz="4800" b="1" i="0" dirty="0">
                 <a:solidFill>
                   <a:srgbClr val="2D2D2D"/>
                 </a:solidFill>
@@ -3378,19 +3333,13 @@
               </a:rPr>
               <a:t>TENHO VIDA, ALEGRIA, TODO O TEMPO</a:t>
             </a:r>
-            <a:r>
-              <a:rPr lang="pt-BR" sz="4800" b="1" dirty="0" smtClean="0">
-                <a:latin typeface="Arial Black" panose="020B0A04020102020204" pitchFamily="34" charset="0"/>
-              </a:rPr>
-              <a:t/>
-            </a:r>
             <a:br>
-              <a:rPr lang="pt-BR" sz="4800" b="1" dirty="0" smtClean="0">
+              <a:rPr lang="pt-BR" sz="4800" b="1" dirty="0">
                 <a:latin typeface="Arial Black" panose="020B0A04020102020204" pitchFamily="34" charset="0"/>
               </a:rPr>
             </a:br>
             <a:r>
-              <a:rPr lang="pt-BR" sz="4800" b="1" i="0" dirty="0" smtClean="0">
+              <a:rPr lang="pt-BR" sz="4800" b="1" i="0" dirty="0">
                 <a:solidFill>
                   <a:srgbClr val="2D2D2D"/>
                 </a:solidFill>
@@ -3399,19 +3348,13 @@
               </a:rPr>
               <a:t>TENHO AMIGOS, FAMÍLIA MUITOS IRMÃOS</a:t>
             </a:r>
-            <a:r>
-              <a:rPr lang="pt-BR" sz="4800" b="1" dirty="0" smtClean="0">
-                <a:latin typeface="Arial Black" panose="020B0A04020102020204" pitchFamily="34" charset="0"/>
-              </a:rPr>
-              <a:t/>
-            </a:r>
             <a:br>
-              <a:rPr lang="pt-BR" sz="4800" b="1" dirty="0" smtClean="0">
+              <a:rPr lang="pt-BR" sz="4800" b="1" dirty="0">
                 <a:latin typeface="Arial Black" panose="020B0A04020102020204" pitchFamily="34" charset="0"/>
               </a:rPr>
             </a:br>
             <a:r>
-              <a:rPr lang="pt-BR" sz="4800" b="1" i="0" dirty="0" smtClean="0">
+              <a:rPr lang="pt-BR" sz="4800" b="1" i="0" dirty="0">
                 <a:solidFill>
                   <a:srgbClr val="2D2D2D"/>
                 </a:solidFill>
@@ -3420,19 +3363,13 @@
               </a:rPr>
               <a:t>FOI JESUS, MEU AMIGO VERDADEIRO</a:t>
             </a:r>
-            <a:r>
-              <a:rPr lang="pt-BR" sz="4800" b="1" dirty="0" smtClean="0">
-                <a:latin typeface="Arial Black" panose="020B0A04020102020204" pitchFamily="34" charset="0"/>
-              </a:rPr>
-              <a:t/>
-            </a:r>
             <a:br>
-              <a:rPr lang="pt-BR" sz="4800" b="1" dirty="0" smtClean="0">
+              <a:rPr lang="pt-BR" sz="4800" b="1" dirty="0">
                 <a:latin typeface="Arial Black" panose="020B0A04020102020204" pitchFamily="34" charset="0"/>
               </a:rPr>
             </a:br>
             <a:r>
-              <a:rPr lang="pt-BR" sz="4800" b="1" i="0" dirty="0" smtClean="0">
+              <a:rPr lang="pt-BR" sz="4800" b="1" i="0" dirty="0">
                 <a:solidFill>
                   <a:srgbClr val="2D2D2D"/>
                 </a:solidFill>
@@ -3485,8 +3422,8 @@
         </p:nvSpPr>
         <p:spPr>
           <a:xfrm>
-            <a:off x="381000" y="250736"/>
-            <a:ext cx="11430000" cy="6001643"/>
+            <a:off x="584200" y="301536"/>
+            <a:ext cx="10490200" cy="5016758"/>
           </a:xfrm>
           <a:prstGeom prst="rect">
             <a:avLst/>
@@ -3499,79 +3436,61 @@
           <a:lstStyle/>
           <a:p>
             <a:r>
-              <a:rPr lang="pt-BR" sz="4800" b="1" i="0" dirty="0" smtClean="0">
+              <a:rPr lang="nl-NL" sz="8000" b="1" i="0" dirty="0">
                 <a:solidFill>
                   <a:srgbClr val="2D2D2D"/>
                 </a:solidFill>
                 <a:effectLst/>
                 <a:latin typeface="Arial Black" panose="020B0A04020102020204" pitchFamily="34" charset="0"/>
               </a:rPr>
-              <a:t>LOUVAREI AO SENHOR EM TODO O TEMPO</a:t>
-            </a:r>
-            <a:r>
-              <a:rPr lang="pt-BR" sz="4800" b="1" dirty="0" smtClean="0">
-                <a:latin typeface="Arial Black" panose="020B0A04020102020204" pitchFamily="34" charset="0"/>
-              </a:rPr>
-              <a:t/>
+              <a:t>IE, IE, YEHOVAH</a:t>
             </a:r>
             <a:br>
-              <a:rPr lang="pt-BR" sz="4800" b="1" dirty="0" smtClean="0">
+              <a:rPr lang="nl-NL" sz="8000" b="1" dirty="0">
                 <a:latin typeface="Arial Black" panose="020B0A04020102020204" pitchFamily="34" charset="0"/>
               </a:rPr>
             </a:br>
             <a:r>
-              <a:rPr lang="pt-BR" sz="4800" b="1" i="0" dirty="0" smtClean="0">
+              <a:rPr lang="nl-NL" sz="8000" b="1" i="0" dirty="0">
                 <a:solidFill>
                   <a:srgbClr val="2D2D2D"/>
                 </a:solidFill>
                 <a:effectLst/>
                 <a:latin typeface="Arial Black" panose="020B0A04020102020204" pitchFamily="34" charset="0"/>
               </a:rPr>
-              <a:t>EU LOUVOR ESTARÁ CONTINUAMENTE</a:t>
-            </a:r>
-            <a:r>
-              <a:rPr lang="pt-BR" sz="4800" b="1" dirty="0" smtClean="0">
-                <a:latin typeface="Arial Black" panose="020B0A04020102020204" pitchFamily="34" charset="0"/>
-              </a:rPr>
-              <a:t/>
+              <a:t>IE, IE, YEHOVAH</a:t>
             </a:r>
             <a:br>
-              <a:rPr lang="pt-BR" sz="4800" b="1" dirty="0" smtClean="0">
+              <a:rPr lang="nl-NL" sz="8000" b="1" dirty="0">
                 <a:latin typeface="Arial Black" panose="020B0A04020102020204" pitchFamily="34" charset="0"/>
               </a:rPr>
             </a:br>
             <a:r>
-              <a:rPr lang="pt-BR" sz="4800" b="1" i="0" dirty="0" smtClean="0">
+              <a:rPr lang="nl-NL" sz="8000" b="1" i="0" dirty="0">
                 <a:solidFill>
                   <a:srgbClr val="2D2D2D"/>
                 </a:solidFill>
                 <a:effectLst/>
                 <a:latin typeface="Arial Black" panose="020B0A04020102020204" pitchFamily="34" charset="0"/>
               </a:rPr>
-              <a:t>EM MEUS LÁBIOS, E TAMBÉM NO CORAÇÃO</a:t>
-            </a:r>
-            <a:r>
-              <a:rPr lang="pt-BR" sz="4800" b="1" dirty="0" smtClean="0">
-                <a:latin typeface="Arial Black" panose="020B0A04020102020204" pitchFamily="34" charset="0"/>
-              </a:rPr>
-              <a:t/>
+              <a:t>IE, IE, YEHOVAH</a:t>
             </a:r>
             <a:br>
-              <a:rPr lang="pt-BR" sz="4800" b="1" dirty="0" smtClean="0">
+              <a:rPr lang="nl-NL" sz="8000" b="1" dirty="0">
                 <a:latin typeface="Arial Black" panose="020B0A04020102020204" pitchFamily="34" charset="0"/>
               </a:rPr>
             </a:br>
             <a:r>
-              <a:rPr lang="pt-BR" sz="4800" b="1" i="0" dirty="0" smtClean="0">
+              <a:rPr lang="nl-NL" sz="8000" b="1" i="0" dirty="0">
                 <a:solidFill>
                   <a:srgbClr val="2D2D2D"/>
                 </a:solidFill>
                 <a:effectLst/>
                 <a:latin typeface="Arial Black" panose="020B0A04020102020204" pitchFamily="34" charset="0"/>
               </a:rPr>
-              <a:t>JESUS CRISTO SERÁ SEMPRE MINHA CANÇÃO</a:t>
-            </a:r>
-            <a:endParaRPr lang="pt-BR" sz="4800" b="1" dirty="0">
+              <a:t>IE, IE, YEHOVAH</a:t>
+            </a:r>
+            <a:endParaRPr lang="pt-BR" sz="8000" b="1" dirty="0">
               <a:latin typeface="Arial Black" panose="020B0A04020102020204" pitchFamily="34" charset="0"/>
             </a:endParaRPr>
           </a:p>
@@ -3580,7 +3499,7 @@
     </p:spTree>
     <p:extLst>
       <p:ext uri="{BB962C8B-B14F-4D97-AF65-F5344CB8AC3E}">
-        <p14:creationId xmlns:p14="http://schemas.microsoft.com/office/powerpoint/2010/main" val="3148979865"/>
+        <p14:creationId xmlns:p14="http://schemas.microsoft.com/office/powerpoint/2010/main" val="3083433936"/>
       </p:ext>
     </p:extLst>
   </p:cSld>
@@ -3615,8 +3534,8 @@
         </p:nvSpPr>
         <p:spPr>
           <a:xfrm>
-            <a:off x="584200" y="301536"/>
-            <a:ext cx="10490200" cy="5016758"/>
+            <a:off x="381000" y="250736"/>
+            <a:ext cx="11430000" cy="6001643"/>
           </a:xfrm>
           <a:prstGeom prst="rect">
             <a:avLst/>
@@ -3629,79 +3548,61 @@
           <a:lstStyle/>
           <a:p>
             <a:r>
-              <a:rPr lang="nl-NL" sz="8000" b="1" i="0" dirty="0" smtClean="0">
+              <a:rPr lang="pt-BR" sz="4800" b="1" i="0" dirty="0">
                 <a:solidFill>
                   <a:srgbClr val="2D2D2D"/>
                 </a:solidFill>
                 <a:effectLst/>
                 <a:latin typeface="Arial Black" panose="020B0A04020102020204" pitchFamily="34" charset="0"/>
               </a:rPr>
-              <a:t>IE, IE, IEHOVAH</a:t>
-            </a:r>
-            <a:r>
-              <a:rPr lang="nl-NL" sz="8000" b="1" dirty="0" smtClean="0">
-                <a:latin typeface="Arial Black" panose="020B0A04020102020204" pitchFamily="34" charset="0"/>
-              </a:rPr>
-              <a:t/>
+              <a:t>LOUVAREI AO SENHOR EM TODO O TEMPO</a:t>
             </a:r>
             <a:br>
-              <a:rPr lang="nl-NL" sz="8000" b="1" dirty="0" smtClean="0">
+              <a:rPr lang="pt-BR" sz="4800" b="1" dirty="0">
                 <a:latin typeface="Arial Black" panose="020B0A04020102020204" pitchFamily="34" charset="0"/>
               </a:rPr>
             </a:br>
             <a:r>
-              <a:rPr lang="nl-NL" sz="8000" b="1" i="0" dirty="0" smtClean="0">
+              <a:rPr lang="pt-BR" sz="4800" b="1" i="0" dirty="0">
                 <a:solidFill>
                   <a:srgbClr val="2D2D2D"/>
                 </a:solidFill>
                 <a:effectLst/>
                 <a:latin typeface="Arial Black" panose="020B0A04020102020204" pitchFamily="34" charset="0"/>
               </a:rPr>
-              <a:t>IE, IE, IEHOVAH</a:t>
-            </a:r>
-            <a:r>
-              <a:rPr lang="nl-NL" sz="8000" b="1" dirty="0" smtClean="0">
-                <a:latin typeface="Arial Black" panose="020B0A04020102020204" pitchFamily="34" charset="0"/>
-              </a:rPr>
-              <a:t/>
+              <a:t>EU LOUVOR ESTARÁ CONTINUAMENTE</a:t>
             </a:r>
             <a:br>
-              <a:rPr lang="nl-NL" sz="8000" b="1" dirty="0" smtClean="0">
+              <a:rPr lang="pt-BR" sz="4800" b="1" dirty="0">
                 <a:latin typeface="Arial Black" panose="020B0A04020102020204" pitchFamily="34" charset="0"/>
               </a:rPr>
             </a:br>
             <a:r>
-              <a:rPr lang="nl-NL" sz="8000" b="1" i="0" dirty="0" smtClean="0">
+              <a:rPr lang="pt-BR" sz="4800" b="1" i="0" dirty="0">
                 <a:solidFill>
                   <a:srgbClr val="2D2D2D"/>
                 </a:solidFill>
                 <a:effectLst/>
                 <a:latin typeface="Arial Black" panose="020B0A04020102020204" pitchFamily="34" charset="0"/>
               </a:rPr>
-              <a:t>IE, IE, IEHOVAH</a:t>
-            </a:r>
-            <a:r>
-              <a:rPr lang="nl-NL" sz="8000" b="1" dirty="0" smtClean="0">
-                <a:latin typeface="Arial Black" panose="020B0A04020102020204" pitchFamily="34" charset="0"/>
-              </a:rPr>
-              <a:t/>
+              <a:t>EM MEUS LÁBIOS, E TAMBÉM NO CORAÇÃO</a:t>
             </a:r>
             <a:br>
-              <a:rPr lang="nl-NL" sz="8000" b="1" dirty="0" smtClean="0">
+              <a:rPr lang="pt-BR" sz="4800" b="1" dirty="0">
                 <a:latin typeface="Arial Black" panose="020B0A04020102020204" pitchFamily="34" charset="0"/>
               </a:rPr>
             </a:br>
             <a:r>
-              <a:rPr lang="nl-NL" sz="8000" b="1" i="0" dirty="0" smtClean="0">
+              <a:rPr lang="pt-BR" sz="4800" b="1" i="0" dirty="0">
                 <a:solidFill>
                   <a:srgbClr val="2D2D2D"/>
                 </a:solidFill>
                 <a:effectLst/>
                 <a:latin typeface="Arial Black" panose="020B0A04020102020204" pitchFamily="34" charset="0"/>
               </a:rPr>
-              <a:t>IE, IE, IEHOVAH</a:t>
-            </a:r>
-            <a:endParaRPr lang="pt-BR" sz="8000" b="1" dirty="0">
+              <a:t>JESUS CRISTO SERÁ SEMPRE MINHA CANÇÃO</a:t>
+            </a:r>
+            <a:endParaRPr lang="pt-BR" sz="4800" b="1" dirty="0">
               <a:latin typeface="Arial Black" panose="020B0A04020102020204" pitchFamily="34" charset="0"/>
             </a:endParaRPr>
           </a:p>
@@ -3710,7 +3611,7 @@
     </p:spTree>
     <p:extLst>
       <p:ext uri="{BB962C8B-B14F-4D97-AF65-F5344CB8AC3E}">
-        <p14:creationId xmlns:p14="http://schemas.microsoft.com/office/powerpoint/2010/main" val="3083433936"/>
+        <p14:creationId xmlns:p14="http://schemas.microsoft.com/office/powerpoint/2010/main" val="3148979865"/>
       </p:ext>
     </p:extLst>
   </p:cSld>
@@ -3745,8 +3646,8 @@
         </p:nvSpPr>
         <p:spPr>
           <a:xfrm>
-            <a:off x="529110" y="653534"/>
-            <a:ext cx="10888189" cy="4154984"/>
+            <a:off x="584200" y="301536"/>
+            <a:ext cx="10490200" cy="5016758"/>
           </a:xfrm>
           <a:prstGeom prst="rect">
             <a:avLst/>
@@ -3759,16 +3660,61 @@
           <a:lstStyle/>
           <a:p>
             <a:r>
-              <a:rPr lang="pt-BR" sz="8800" b="1" i="0" dirty="0" smtClean="0">
+              <a:rPr lang="nl-NL" sz="8000" b="1" i="0" dirty="0">
                 <a:solidFill>
                   <a:srgbClr val="2D2D2D"/>
                 </a:solidFill>
                 <a:effectLst/>
                 <a:latin typeface="Arial Black" panose="020B0A04020102020204" pitchFamily="34" charset="0"/>
               </a:rPr>
-              <a:t>JESUS CRISTO SERÁ SEMPRE MINHA CANÇÃO</a:t>
-            </a:r>
-            <a:endParaRPr lang="pt-BR" sz="8800" b="1" dirty="0">
+              <a:t>IE, IE, YEHOVAH</a:t>
+            </a:r>
+            <a:br>
+              <a:rPr lang="nl-NL" sz="8000" b="1" dirty="0">
+                <a:latin typeface="Arial Black" panose="020B0A04020102020204" pitchFamily="34" charset="0"/>
+              </a:rPr>
+            </a:br>
+            <a:r>
+              <a:rPr lang="nl-NL" sz="8000" b="1" i="0" dirty="0">
+                <a:solidFill>
+                  <a:srgbClr val="2D2D2D"/>
+                </a:solidFill>
+                <a:effectLst/>
+                <a:latin typeface="Arial Black" panose="020B0A04020102020204" pitchFamily="34" charset="0"/>
+              </a:rPr>
+              <a:t>IE, IE, YEHOVAH</a:t>
+            </a:r>
+            <a:br>
+              <a:rPr lang="nl-NL" sz="8000" b="1" dirty="0">
+                <a:latin typeface="Arial Black" panose="020B0A04020102020204" pitchFamily="34" charset="0"/>
+              </a:rPr>
+            </a:br>
+            <a:r>
+              <a:rPr lang="nl-NL" sz="8000" b="1" i="0" dirty="0">
+                <a:solidFill>
+                  <a:srgbClr val="2D2D2D"/>
+                </a:solidFill>
+                <a:effectLst/>
+                <a:latin typeface="Arial Black" panose="020B0A04020102020204" pitchFamily="34" charset="0"/>
+              </a:rPr>
+              <a:t>IE, IE, YEHOVAH</a:t>
+            </a:r>
+            <a:br>
+              <a:rPr lang="nl-NL" sz="8000" b="1" dirty="0">
+                <a:latin typeface="Arial Black" panose="020B0A04020102020204" pitchFamily="34" charset="0"/>
+              </a:rPr>
+            </a:br>
+            <a:r>
+              <a:rPr lang="nl-NL" sz="8000" b="1" i="0" dirty="0">
+                <a:solidFill>
+                  <a:srgbClr val="2D2D2D"/>
+                </a:solidFill>
+                <a:effectLst/>
+                <a:latin typeface="Arial Black" panose="020B0A04020102020204" pitchFamily="34" charset="0"/>
+              </a:rPr>
+              <a:t>IE, IE, YEHOVAH</a:t>
+            </a:r>
+            <a:endParaRPr lang="pt-BR" sz="8000" b="1" dirty="0">
               <a:latin typeface="Arial Black" panose="020B0A04020102020204" pitchFamily="34" charset="0"/>
             </a:endParaRPr>
           </a:p>
@@ -3777,7 +3723,7 @@
     </p:spTree>
     <p:extLst>
       <p:ext uri="{BB962C8B-B14F-4D97-AF65-F5344CB8AC3E}">
-        <p14:creationId xmlns:p14="http://schemas.microsoft.com/office/powerpoint/2010/main" val="4194613519"/>
+        <p14:creationId xmlns:p14="http://schemas.microsoft.com/office/powerpoint/2010/main" val="2880471946"/>
       </p:ext>
     </p:extLst>
   </p:cSld>
